--- a/ppt 16-9/1383.总要儆醒祷告.pptx
+++ b/ppt 16-9/1383.总要儆醒祷告.pptx
@@ -5,7 +5,7 @@
     <p:sldMasterId id="2147483648" r:id="rId1"/>
   </p:sldMasterIdLst>
   <p:sldIdLst>
-    <p:sldId id="952" r:id="rId2"/>
+    <p:sldId id="953" r:id="rId2"/>
   </p:sldIdLst>
   <p:sldSz cx="12192000" cy="6858000"/>
   <p:notesSz cx="6858000" cy="9144000"/>
@@ -129,7 +129,7 @@
           <p:cNvPr id="2" name="标题 1">
             <a:extLst>
               <a:ext uri="{FF2B5EF4-FFF2-40B4-BE49-F238E27FC236}">
-                <a16:creationId xmlns:a16="http://schemas.microsoft.com/office/drawing/2014/main" id="{FA69A201-FBCA-2DB6-D226-AA53FC17B8CD}"/>
+                <a16:creationId xmlns:a16="http://schemas.microsoft.com/office/drawing/2014/main" id="{5BBDDE60-0940-B4D4-0ACE-26410A1B72C2}"/>
               </a:ext>
             </a:extLst>
           </p:cNvPr>
@@ -166,7 +166,7 @@
           <p:cNvPr id="3" name="副标题 2">
             <a:extLst>
               <a:ext uri="{FF2B5EF4-FFF2-40B4-BE49-F238E27FC236}">
-                <a16:creationId xmlns:a16="http://schemas.microsoft.com/office/drawing/2014/main" id="{7D862DD2-CDC2-9DA3-35AE-AD8C8AB31FC8}"/>
+                <a16:creationId xmlns:a16="http://schemas.microsoft.com/office/drawing/2014/main" id="{3F372A2F-D0B9-BDB6-0878-4BFF5A43B86D}"/>
               </a:ext>
             </a:extLst>
           </p:cNvPr>
@@ -236,7 +236,7 @@
           <p:cNvPr id="4" name="日期占位符 3">
             <a:extLst>
               <a:ext uri="{FF2B5EF4-FFF2-40B4-BE49-F238E27FC236}">
-                <a16:creationId xmlns:a16="http://schemas.microsoft.com/office/drawing/2014/main" id="{11758FCF-97CA-64DF-0372-DEBD818FB430}"/>
+                <a16:creationId xmlns:a16="http://schemas.microsoft.com/office/drawing/2014/main" id="{B676FA79-FF64-C8CF-17D1-C6867543C620}"/>
               </a:ext>
             </a:extLst>
           </p:cNvPr>
@@ -252,7 +252,7 @@
           <a:bodyPr/>
           <a:lstStyle/>
           <a:p>
-            <a:fld id="{EA5119AF-EE40-48EE-A3F7-972E9CF0AF47}" type="datetimeFigureOut">
+            <a:fld id="{E5FCA03A-B9B6-4674-8DC0-27643DFE84B9}" type="datetimeFigureOut">
               <a:rPr lang="zh-CN" altLang="en-US" smtClean="0"/>
               <a:t>2024/3/10</a:t>
             </a:fld>
@@ -265,7 +265,7 @@
           <p:cNvPr id="5" name="页脚占位符 4">
             <a:extLst>
               <a:ext uri="{FF2B5EF4-FFF2-40B4-BE49-F238E27FC236}">
-                <a16:creationId xmlns:a16="http://schemas.microsoft.com/office/drawing/2014/main" id="{56FCCB25-5EBA-AB7E-E7D3-1B41FDC30EA1}"/>
+                <a16:creationId xmlns:a16="http://schemas.microsoft.com/office/drawing/2014/main" id="{C1E954E0-C7AC-3628-E459-49C478F49EB1}"/>
               </a:ext>
             </a:extLst>
           </p:cNvPr>
@@ -290,7 +290,7 @@
           <p:cNvPr id="6" name="灯片编号占位符 5">
             <a:extLst>
               <a:ext uri="{FF2B5EF4-FFF2-40B4-BE49-F238E27FC236}">
-                <a16:creationId xmlns:a16="http://schemas.microsoft.com/office/drawing/2014/main" id="{658D0C78-550F-0329-7658-ED6D83A1C217}"/>
+                <a16:creationId xmlns:a16="http://schemas.microsoft.com/office/drawing/2014/main" id="{9AC4EC9D-CAC3-DA80-C5FE-FF23DD701BE3}"/>
               </a:ext>
             </a:extLst>
           </p:cNvPr>
@@ -306,7 +306,7 @@
           <a:bodyPr/>
           <a:lstStyle/>
           <a:p>
-            <a:fld id="{6087046A-2829-41AD-B401-65DD899BDF86}" type="slidenum">
+            <a:fld id="{0D5AD998-BB4C-4FDD-8EBD-7407F6EBEE2F}" type="slidenum">
               <a:rPr lang="zh-CN" altLang="en-US" smtClean="0"/>
               <a:t>‹#›</a:t>
             </a:fld>
@@ -317,7 +317,7 @@
     </p:spTree>
     <p:extLst>
       <p:ext uri="{BB962C8B-B14F-4D97-AF65-F5344CB8AC3E}">
-        <p14:creationId xmlns:p14="http://schemas.microsoft.com/office/powerpoint/2010/main" val="1296765872"/>
+        <p14:creationId xmlns:p14="http://schemas.microsoft.com/office/powerpoint/2010/main" val="3694536720"/>
       </p:ext>
     </p:extLst>
   </p:cSld>
@@ -349,7 +349,7 @@
           <p:cNvPr id="2" name="标题 1">
             <a:extLst>
               <a:ext uri="{FF2B5EF4-FFF2-40B4-BE49-F238E27FC236}">
-                <a16:creationId xmlns:a16="http://schemas.microsoft.com/office/drawing/2014/main" id="{002C9F7C-8B2C-6C02-8796-4DF3FB9DE513}"/>
+                <a16:creationId xmlns:a16="http://schemas.microsoft.com/office/drawing/2014/main" id="{BC66CB80-1375-B18D-BD25-0F30E563E693}"/>
               </a:ext>
             </a:extLst>
           </p:cNvPr>
@@ -377,7 +377,7 @@
           <p:cNvPr id="3" name="竖排文字占位符 2">
             <a:extLst>
               <a:ext uri="{FF2B5EF4-FFF2-40B4-BE49-F238E27FC236}">
-                <a16:creationId xmlns:a16="http://schemas.microsoft.com/office/drawing/2014/main" id="{73B724C0-9B26-9493-4679-601545E6067A}"/>
+                <a16:creationId xmlns:a16="http://schemas.microsoft.com/office/drawing/2014/main" id="{92652902-E1E6-4A70-8B83-A01F3226B271}"/>
               </a:ext>
             </a:extLst>
           </p:cNvPr>
@@ -434,7 +434,7 @@
           <p:cNvPr id="4" name="日期占位符 3">
             <a:extLst>
               <a:ext uri="{FF2B5EF4-FFF2-40B4-BE49-F238E27FC236}">
-                <a16:creationId xmlns:a16="http://schemas.microsoft.com/office/drawing/2014/main" id="{9B49D8E7-3933-B63B-7F8C-F8E58886F06C}"/>
+                <a16:creationId xmlns:a16="http://schemas.microsoft.com/office/drawing/2014/main" id="{EAFD01FE-D87D-F3BB-EE87-65CB4A864C3F}"/>
               </a:ext>
             </a:extLst>
           </p:cNvPr>
@@ -450,7 +450,7 @@
           <a:bodyPr/>
           <a:lstStyle/>
           <a:p>
-            <a:fld id="{EA5119AF-EE40-48EE-A3F7-972E9CF0AF47}" type="datetimeFigureOut">
+            <a:fld id="{E5FCA03A-B9B6-4674-8DC0-27643DFE84B9}" type="datetimeFigureOut">
               <a:rPr lang="zh-CN" altLang="en-US" smtClean="0"/>
               <a:t>2024/3/10</a:t>
             </a:fld>
@@ -463,7 +463,7 @@
           <p:cNvPr id="5" name="页脚占位符 4">
             <a:extLst>
               <a:ext uri="{FF2B5EF4-FFF2-40B4-BE49-F238E27FC236}">
-                <a16:creationId xmlns:a16="http://schemas.microsoft.com/office/drawing/2014/main" id="{64357B0F-32A3-7020-4120-C34975D24128}"/>
+                <a16:creationId xmlns:a16="http://schemas.microsoft.com/office/drawing/2014/main" id="{DE7F1333-1CC9-2471-2D27-B5937BCCBC7B}"/>
               </a:ext>
             </a:extLst>
           </p:cNvPr>
@@ -488,7 +488,7 @@
           <p:cNvPr id="6" name="灯片编号占位符 5">
             <a:extLst>
               <a:ext uri="{FF2B5EF4-FFF2-40B4-BE49-F238E27FC236}">
-                <a16:creationId xmlns:a16="http://schemas.microsoft.com/office/drawing/2014/main" id="{E6393BA3-CAC9-0F40-E2F2-332B170B3261}"/>
+                <a16:creationId xmlns:a16="http://schemas.microsoft.com/office/drawing/2014/main" id="{61C56AB9-AFFD-E67F-24DC-36E7E0F5EFD3}"/>
               </a:ext>
             </a:extLst>
           </p:cNvPr>
@@ -504,7 +504,7 @@
           <a:bodyPr/>
           <a:lstStyle/>
           <a:p>
-            <a:fld id="{6087046A-2829-41AD-B401-65DD899BDF86}" type="slidenum">
+            <a:fld id="{0D5AD998-BB4C-4FDD-8EBD-7407F6EBEE2F}" type="slidenum">
               <a:rPr lang="zh-CN" altLang="en-US" smtClean="0"/>
               <a:t>‹#›</a:t>
             </a:fld>
@@ -515,7 +515,7 @@
     </p:spTree>
     <p:extLst>
       <p:ext uri="{BB962C8B-B14F-4D97-AF65-F5344CB8AC3E}">
-        <p14:creationId xmlns:p14="http://schemas.microsoft.com/office/powerpoint/2010/main" val="3392140832"/>
+        <p14:creationId xmlns:p14="http://schemas.microsoft.com/office/powerpoint/2010/main" val="4586326"/>
       </p:ext>
     </p:extLst>
   </p:cSld>
@@ -547,7 +547,7 @@
           <p:cNvPr id="2" name="竖排标题 1">
             <a:extLst>
               <a:ext uri="{FF2B5EF4-FFF2-40B4-BE49-F238E27FC236}">
-                <a16:creationId xmlns:a16="http://schemas.microsoft.com/office/drawing/2014/main" id="{E111574D-CA79-AC6E-3B1B-9DE60C385D59}"/>
+                <a16:creationId xmlns:a16="http://schemas.microsoft.com/office/drawing/2014/main" id="{A115B9CC-322E-49EB-9121-79A4164FDB14}"/>
               </a:ext>
             </a:extLst>
           </p:cNvPr>
@@ -580,7 +580,7 @@
           <p:cNvPr id="3" name="竖排文字占位符 2">
             <a:extLst>
               <a:ext uri="{FF2B5EF4-FFF2-40B4-BE49-F238E27FC236}">
-                <a16:creationId xmlns:a16="http://schemas.microsoft.com/office/drawing/2014/main" id="{0F7A72A9-1AC5-559D-A3D5-836C0687AADE}"/>
+                <a16:creationId xmlns:a16="http://schemas.microsoft.com/office/drawing/2014/main" id="{E01D6287-9180-CB3E-C298-920F33BDDDD1}"/>
               </a:ext>
             </a:extLst>
           </p:cNvPr>
@@ -642,7 +642,7 @@
           <p:cNvPr id="4" name="日期占位符 3">
             <a:extLst>
               <a:ext uri="{FF2B5EF4-FFF2-40B4-BE49-F238E27FC236}">
-                <a16:creationId xmlns:a16="http://schemas.microsoft.com/office/drawing/2014/main" id="{2621CC6F-B139-ED85-060C-7B6056B87383}"/>
+                <a16:creationId xmlns:a16="http://schemas.microsoft.com/office/drawing/2014/main" id="{B9982D77-3F90-A570-5312-DBBB6E46E6C1}"/>
               </a:ext>
             </a:extLst>
           </p:cNvPr>
@@ -658,7 +658,7 @@
           <a:bodyPr/>
           <a:lstStyle/>
           <a:p>
-            <a:fld id="{EA5119AF-EE40-48EE-A3F7-972E9CF0AF47}" type="datetimeFigureOut">
+            <a:fld id="{E5FCA03A-B9B6-4674-8DC0-27643DFE84B9}" type="datetimeFigureOut">
               <a:rPr lang="zh-CN" altLang="en-US" smtClean="0"/>
               <a:t>2024/3/10</a:t>
             </a:fld>
@@ -671,7 +671,7 @@
           <p:cNvPr id="5" name="页脚占位符 4">
             <a:extLst>
               <a:ext uri="{FF2B5EF4-FFF2-40B4-BE49-F238E27FC236}">
-                <a16:creationId xmlns:a16="http://schemas.microsoft.com/office/drawing/2014/main" id="{42681E5A-2386-0A7A-3439-B187924ACB0F}"/>
+                <a16:creationId xmlns:a16="http://schemas.microsoft.com/office/drawing/2014/main" id="{CB8AD6DF-E8C5-D851-3389-AB716ABBAFFD}"/>
               </a:ext>
             </a:extLst>
           </p:cNvPr>
@@ -696,7 +696,7 @@
           <p:cNvPr id="6" name="灯片编号占位符 5">
             <a:extLst>
               <a:ext uri="{FF2B5EF4-FFF2-40B4-BE49-F238E27FC236}">
-                <a16:creationId xmlns:a16="http://schemas.microsoft.com/office/drawing/2014/main" id="{E2476AF6-2C79-FA66-4526-A9DB83E5D36C}"/>
+                <a16:creationId xmlns:a16="http://schemas.microsoft.com/office/drawing/2014/main" id="{48AF67CD-34CC-AE62-1785-8D820A2D3B87}"/>
               </a:ext>
             </a:extLst>
           </p:cNvPr>
@@ -712,7 +712,7 @@
           <a:bodyPr/>
           <a:lstStyle/>
           <a:p>
-            <a:fld id="{6087046A-2829-41AD-B401-65DD899BDF86}" type="slidenum">
+            <a:fld id="{0D5AD998-BB4C-4FDD-8EBD-7407F6EBEE2F}" type="slidenum">
               <a:rPr lang="zh-CN" altLang="en-US" smtClean="0"/>
               <a:t>‹#›</a:t>
             </a:fld>
@@ -723,7 +723,7 @@
     </p:spTree>
     <p:extLst>
       <p:ext uri="{BB962C8B-B14F-4D97-AF65-F5344CB8AC3E}">
-        <p14:creationId xmlns:p14="http://schemas.microsoft.com/office/powerpoint/2010/main" val="1129289205"/>
+        <p14:creationId xmlns:p14="http://schemas.microsoft.com/office/powerpoint/2010/main" val="2550214633"/>
       </p:ext>
     </p:extLst>
   </p:cSld>
@@ -755,7 +755,7 @@
           <p:cNvPr id="2" name="标题 1">
             <a:extLst>
               <a:ext uri="{FF2B5EF4-FFF2-40B4-BE49-F238E27FC236}">
-                <a16:creationId xmlns:a16="http://schemas.microsoft.com/office/drawing/2014/main" id="{33CD8EFF-D662-0ABE-5161-FD177C07E86A}"/>
+                <a16:creationId xmlns:a16="http://schemas.microsoft.com/office/drawing/2014/main" id="{D080FD60-0F6D-AE95-7325-00610531015B}"/>
               </a:ext>
             </a:extLst>
           </p:cNvPr>
@@ -783,7 +783,7 @@
           <p:cNvPr id="3" name="内容占位符 2">
             <a:extLst>
               <a:ext uri="{FF2B5EF4-FFF2-40B4-BE49-F238E27FC236}">
-                <a16:creationId xmlns:a16="http://schemas.microsoft.com/office/drawing/2014/main" id="{51848811-61E7-2DAA-5CCE-F8DD1028C78D}"/>
+                <a16:creationId xmlns:a16="http://schemas.microsoft.com/office/drawing/2014/main" id="{9BEF8EB0-6863-34DD-9891-6954D52267E8}"/>
               </a:ext>
             </a:extLst>
           </p:cNvPr>
@@ -840,7 +840,7 @@
           <p:cNvPr id="4" name="日期占位符 3">
             <a:extLst>
               <a:ext uri="{FF2B5EF4-FFF2-40B4-BE49-F238E27FC236}">
-                <a16:creationId xmlns:a16="http://schemas.microsoft.com/office/drawing/2014/main" id="{6DD444E2-D59A-5095-10BC-659386DC9F7B}"/>
+                <a16:creationId xmlns:a16="http://schemas.microsoft.com/office/drawing/2014/main" id="{8CB53F4D-9A2E-4F05-A8ED-BDEB35C75561}"/>
               </a:ext>
             </a:extLst>
           </p:cNvPr>
@@ -856,7 +856,7 @@
           <a:bodyPr/>
           <a:lstStyle/>
           <a:p>
-            <a:fld id="{EA5119AF-EE40-48EE-A3F7-972E9CF0AF47}" type="datetimeFigureOut">
+            <a:fld id="{E5FCA03A-B9B6-4674-8DC0-27643DFE84B9}" type="datetimeFigureOut">
               <a:rPr lang="zh-CN" altLang="en-US" smtClean="0"/>
               <a:t>2024/3/10</a:t>
             </a:fld>
@@ -869,7 +869,7 @@
           <p:cNvPr id="5" name="页脚占位符 4">
             <a:extLst>
               <a:ext uri="{FF2B5EF4-FFF2-40B4-BE49-F238E27FC236}">
-                <a16:creationId xmlns:a16="http://schemas.microsoft.com/office/drawing/2014/main" id="{4D23465E-AD2B-A698-CE63-EDA80993E592}"/>
+                <a16:creationId xmlns:a16="http://schemas.microsoft.com/office/drawing/2014/main" id="{B1214317-7390-D863-E59C-5F1AE0F2E82E}"/>
               </a:ext>
             </a:extLst>
           </p:cNvPr>
@@ -894,7 +894,7 @@
           <p:cNvPr id="6" name="灯片编号占位符 5">
             <a:extLst>
               <a:ext uri="{FF2B5EF4-FFF2-40B4-BE49-F238E27FC236}">
-                <a16:creationId xmlns:a16="http://schemas.microsoft.com/office/drawing/2014/main" id="{90694291-C468-4501-14C3-0BFEC4D717C5}"/>
+                <a16:creationId xmlns:a16="http://schemas.microsoft.com/office/drawing/2014/main" id="{67107213-3E38-C19D-B030-6597BBB64E8E}"/>
               </a:ext>
             </a:extLst>
           </p:cNvPr>
@@ -910,7 +910,7 @@
           <a:bodyPr/>
           <a:lstStyle/>
           <a:p>
-            <a:fld id="{6087046A-2829-41AD-B401-65DD899BDF86}" type="slidenum">
+            <a:fld id="{0D5AD998-BB4C-4FDD-8EBD-7407F6EBEE2F}" type="slidenum">
               <a:rPr lang="zh-CN" altLang="en-US" smtClean="0"/>
               <a:t>‹#›</a:t>
             </a:fld>
@@ -921,7 +921,7 @@
     </p:spTree>
     <p:extLst>
       <p:ext uri="{BB962C8B-B14F-4D97-AF65-F5344CB8AC3E}">
-        <p14:creationId xmlns:p14="http://schemas.microsoft.com/office/powerpoint/2010/main" val="3633847081"/>
+        <p14:creationId xmlns:p14="http://schemas.microsoft.com/office/powerpoint/2010/main" val="4104237539"/>
       </p:ext>
     </p:extLst>
   </p:cSld>
@@ -953,7 +953,7 @@
           <p:cNvPr id="2" name="标题 1">
             <a:extLst>
               <a:ext uri="{FF2B5EF4-FFF2-40B4-BE49-F238E27FC236}">
-                <a16:creationId xmlns:a16="http://schemas.microsoft.com/office/drawing/2014/main" id="{17EFFF76-22BC-6C67-D0F1-A708D485DF1F}"/>
+                <a16:creationId xmlns:a16="http://schemas.microsoft.com/office/drawing/2014/main" id="{EB2C0854-3B77-4FCE-FF08-CD15F0247A57}"/>
               </a:ext>
             </a:extLst>
           </p:cNvPr>
@@ -990,7 +990,7 @@
           <p:cNvPr id="3" name="文本占位符 2">
             <a:extLst>
               <a:ext uri="{FF2B5EF4-FFF2-40B4-BE49-F238E27FC236}">
-                <a16:creationId xmlns:a16="http://schemas.microsoft.com/office/drawing/2014/main" id="{AF0513ED-38A0-FF91-A455-1C49E028F117}"/>
+                <a16:creationId xmlns:a16="http://schemas.microsoft.com/office/drawing/2014/main" id="{3220E394-360D-B959-5AB8-BC39E056BD1B}"/>
               </a:ext>
             </a:extLst>
           </p:cNvPr>
@@ -1115,7 +1115,7 @@
           <p:cNvPr id="4" name="日期占位符 3">
             <a:extLst>
               <a:ext uri="{FF2B5EF4-FFF2-40B4-BE49-F238E27FC236}">
-                <a16:creationId xmlns:a16="http://schemas.microsoft.com/office/drawing/2014/main" id="{06F573BB-6EE2-97E8-9B16-D454CD7A3EA0}"/>
+                <a16:creationId xmlns:a16="http://schemas.microsoft.com/office/drawing/2014/main" id="{ADD84218-1D71-1085-9C6C-465ECB788414}"/>
               </a:ext>
             </a:extLst>
           </p:cNvPr>
@@ -1131,7 +1131,7 @@
           <a:bodyPr/>
           <a:lstStyle/>
           <a:p>
-            <a:fld id="{EA5119AF-EE40-48EE-A3F7-972E9CF0AF47}" type="datetimeFigureOut">
+            <a:fld id="{E5FCA03A-B9B6-4674-8DC0-27643DFE84B9}" type="datetimeFigureOut">
               <a:rPr lang="zh-CN" altLang="en-US" smtClean="0"/>
               <a:t>2024/3/10</a:t>
             </a:fld>
@@ -1144,7 +1144,7 @@
           <p:cNvPr id="5" name="页脚占位符 4">
             <a:extLst>
               <a:ext uri="{FF2B5EF4-FFF2-40B4-BE49-F238E27FC236}">
-                <a16:creationId xmlns:a16="http://schemas.microsoft.com/office/drawing/2014/main" id="{3711BF71-F766-9890-8488-F99DC9E21311}"/>
+                <a16:creationId xmlns:a16="http://schemas.microsoft.com/office/drawing/2014/main" id="{2FB91550-C804-AF8F-5DDA-1EC1F6B80F7F}"/>
               </a:ext>
             </a:extLst>
           </p:cNvPr>
@@ -1169,7 +1169,7 @@
           <p:cNvPr id="6" name="灯片编号占位符 5">
             <a:extLst>
               <a:ext uri="{FF2B5EF4-FFF2-40B4-BE49-F238E27FC236}">
-                <a16:creationId xmlns:a16="http://schemas.microsoft.com/office/drawing/2014/main" id="{50975C1A-5FE8-7F83-8A78-6CA036501E29}"/>
+                <a16:creationId xmlns:a16="http://schemas.microsoft.com/office/drawing/2014/main" id="{7216D380-C39F-F138-B446-FAB0ECBD7758}"/>
               </a:ext>
             </a:extLst>
           </p:cNvPr>
@@ -1185,7 +1185,7 @@
           <a:bodyPr/>
           <a:lstStyle/>
           <a:p>
-            <a:fld id="{6087046A-2829-41AD-B401-65DD899BDF86}" type="slidenum">
+            <a:fld id="{0D5AD998-BB4C-4FDD-8EBD-7407F6EBEE2F}" type="slidenum">
               <a:rPr lang="zh-CN" altLang="en-US" smtClean="0"/>
               <a:t>‹#›</a:t>
             </a:fld>
@@ -1196,7 +1196,7 @@
     </p:spTree>
     <p:extLst>
       <p:ext uri="{BB962C8B-B14F-4D97-AF65-F5344CB8AC3E}">
-        <p14:creationId xmlns:p14="http://schemas.microsoft.com/office/powerpoint/2010/main" val="1084040653"/>
+        <p14:creationId xmlns:p14="http://schemas.microsoft.com/office/powerpoint/2010/main" val="51713447"/>
       </p:ext>
     </p:extLst>
   </p:cSld>
@@ -1228,7 +1228,7 @@
           <p:cNvPr id="2" name="标题 1">
             <a:extLst>
               <a:ext uri="{FF2B5EF4-FFF2-40B4-BE49-F238E27FC236}">
-                <a16:creationId xmlns:a16="http://schemas.microsoft.com/office/drawing/2014/main" id="{1333739D-4E9C-C977-0FED-7FC0CDF54A7C}"/>
+                <a16:creationId xmlns:a16="http://schemas.microsoft.com/office/drawing/2014/main" id="{7DD75E5F-B2F9-DCA1-F3FC-1C44B8250727}"/>
               </a:ext>
             </a:extLst>
           </p:cNvPr>
@@ -1256,7 +1256,7 @@
           <p:cNvPr id="3" name="内容占位符 2">
             <a:extLst>
               <a:ext uri="{FF2B5EF4-FFF2-40B4-BE49-F238E27FC236}">
-                <a16:creationId xmlns:a16="http://schemas.microsoft.com/office/drawing/2014/main" id="{D539FE13-8756-4AA0-684E-00B15DEDC2BD}"/>
+                <a16:creationId xmlns:a16="http://schemas.microsoft.com/office/drawing/2014/main" id="{8A43C8D5-3962-B081-B5BE-1C5150607334}"/>
               </a:ext>
             </a:extLst>
           </p:cNvPr>
@@ -1318,7 +1318,7 @@
           <p:cNvPr id="4" name="内容占位符 3">
             <a:extLst>
               <a:ext uri="{FF2B5EF4-FFF2-40B4-BE49-F238E27FC236}">
-                <a16:creationId xmlns:a16="http://schemas.microsoft.com/office/drawing/2014/main" id="{D7B63BA7-2B1A-5FEA-4D57-C22C22A1183D}"/>
+                <a16:creationId xmlns:a16="http://schemas.microsoft.com/office/drawing/2014/main" id="{8146E18A-1DF0-4D85-DF5D-8252477D09E8}"/>
               </a:ext>
             </a:extLst>
           </p:cNvPr>
@@ -1380,7 +1380,7 @@
           <p:cNvPr id="5" name="日期占位符 4">
             <a:extLst>
               <a:ext uri="{FF2B5EF4-FFF2-40B4-BE49-F238E27FC236}">
-                <a16:creationId xmlns:a16="http://schemas.microsoft.com/office/drawing/2014/main" id="{B550975D-2F27-30C5-0710-EA329FBAE7EC}"/>
+                <a16:creationId xmlns:a16="http://schemas.microsoft.com/office/drawing/2014/main" id="{4EBE43A8-9EDD-E045-601D-5A414DC29A6C}"/>
               </a:ext>
             </a:extLst>
           </p:cNvPr>
@@ -1396,7 +1396,7 @@
           <a:bodyPr/>
           <a:lstStyle/>
           <a:p>
-            <a:fld id="{EA5119AF-EE40-48EE-A3F7-972E9CF0AF47}" type="datetimeFigureOut">
+            <a:fld id="{E5FCA03A-B9B6-4674-8DC0-27643DFE84B9}" type="datetimeFigureOut">
               <a:rPr lang="zh-CN" altLang="en-US" smtClean="0"/>
               <a:t>2024/3/10</a:t>
             </a:fld>
@@ -1409,7 +1409,7 @@
           <p:cNvPr id="6" name="页脚占位符 5">
             <a:extLst>
               <a:ext uri="{FF2B5EF4-FFF2-40B4-BE49-F238E27FC236}">
-                <a16:creationId xmlns:a16="http://schemas.microsoft.com/office/drawing/2014/main" id="{CD88ADBA-C160-38A3-1BC2-6EE17B475BD7}"/>
+                <a16:creationId xmlns:a16="http://schemas.microsoft.com/office/drawing/2014/main" id="{A0F90D3B-7C19-BDD4-54B8-96948F9099E4}"/>
               </a:ext>
             </a:extLst>
           </p:cNvPr>
@@ -1434,7 +1434,7 @@
           <p:cNvPr id="7" name="灯片编号占位符 6">
             <a:extLst>
               <a:ext uri="{FF2B5EF4-FFF2-40B4-BE49-F238E27FC236}">
-                <a16:creationId xmlns:a16="http://schemas.microsoft.com/office/drawing/2014/main" id="{316C21A1-E659-8E07-E3C2-E12E33FDDDEA}"/>
+                <a16:creationId xmlns:a16="http://schemas.microsoft.com/office/drawing/2014/main" id="{7085475A-097F-283D-8F28-763F69409023}"/>
               </a:ext>
             </a:extLst>
           </p:cNvPr>
@@ -1450,7 +1450,7 @@
           <a:bodyPr/>
           <a:lstStyle/>
           <a:p>
-            <a:fld id="{6087046A-2829-41AD-B401-65DD899BDF86}" type="slidenum">
+            <a:fld id="{0D5AD998-BB4C-4FDD-8EBD-7407F6EBEE2F}" type="slidenum">
               <a:rPr lang="zh-CN" altLang="en-US" smtClean="0"/>
               <a:t>‹#›</a:t>
             </a:fld>
@@ -1461,7 +1461,7 @@
     </p:spTree>
     <p:extLst>
       <p:ext uri="{BB962C8B-B14F-4D97-AF65-F5344CB8AC3E}">
-        <p14:creationId xmlns:p14="http://schemas.microsoft.com/office/powerpoint/2010/main" val="3718315097"/>
+        <p14:creationId xmlns:p14="http://schemas.microsoft.com/office/powerpoint/2010/main" val="2770971068"/>
       </p:ext>
     </p:extLst>
   </p:cSld>
@@ -1493,7 +1493,7 @@
           <p:cNvPr id="2" name="标题 1">
             <a:extLst>
               <a:ext uri="{FF2B5EF4-FFF2-40B4-BE49-F238E27FC236}">
-                <a16:creationId xmlns:a16="http://schemas.microsoft.com/office/drawing/2014/main" id="{A6C726E7-CF62-9652-D6C0-7683FDC5B3FA}"/>
+                <a16:creationId xmlns:a16="http://schemas.microsoft.com/office/drawing/2014/main" id="{8A543905-2588-ABAE-E4BF-69FF6AC46D8E}"/>
               </a:ext>
             </a:extLst>
           </p:cNvPr>
@@ -1526,7 +1526,7 @@
           <p:cNvPr id="3" name="文本占位符 2">
             <a:extLst>
               <a:ext uri="{FF2B5EF4-FFF2-40B4-BE49-F238E27FC236}">
-                <a16:creationId xmlns:a16="http://schemas.microsoft.com/office/drawing/2014/main" id="{D909F912-72DD-5918-E56B-3B31DB44B3B3}"/>
+                <a16:creationId xmlns:a16="http://schemas.microsoft.com/office/drawing/2014/main" id="{59891C3A-6F7B-D585-2FC0-141F2A751609}"/>
               </a:ext>
             </a:extLst>
           </p:cNvPr>
@@ -1597,7 +1597,7 @@
           <p:cNvPr id="4" name="内容占位符 3">
             <a:extLst>
               <a:ext uri="{FF2B5EF4-FFF2-40B4-BE49-F238E27FC236}">
-                <a16:creationId xmlns:a16="http://schemas.microsoft.com/office/drawing/2014/main" id="{FEB668FF-4F78-6928-027C-EC1A7CC92516}"/>
+                <a16:creationId xmlns:a16="http://schemas.microsoft.com/office/drawing/2014/main" id="{954AC01B-3E4C-5C0F-720D-5529C12C80B9}"/>
               </a:ext>
             </a:extLst>
           </p:cNvPr>
@@ -1659,7 +1659,7 @@
           <p:cNvPr id="5" name="文本占位符 4">
             <a:extLst>
               <a:ext uri="{FF2B5EF4-FFF2-40B4-BE49-F238E27FC236}">
-                <a16:creationId xmlns:a16="http://schemas.microsoft.com/office/drawing/2014/main" id="{51ACFF8C-D115-0E03-7205-08BA5D5459BD}"/>
+                <a16:creationId xmlns:a16="http://schemas.microsoft.com/office/drawing/2014/main" id="{0F2A4E85-9803-87E4-4C43-A00E165C99E9}"/>
               </a:ext>
             </a:extLst>
           </p:cNvPr>
@@ -1730,7 +1730,7 @@
           <p:cNvPr id="6" name="内容占位符 5">
             <a:extLst>
               <a:ext uri="{FF2B5EF4-FFF2-40B4-BE49-F238E27FC236}">
-                <a16:creationId xmlns:a16="http://schemas.microsoft.com/office/drawing/2014/main" id="{AF43EED2-1825-C894-B79E-D4044FA0B988}"/>
+                <a16:creationId xmlns:a16="http://schemas.microsoft.com/office/drawing/2014/main" id="{8427A3B9-2073-AA67-E1D3-D3FCBDE24CAB}"/>
               </a:ext>
             </a:extLst>
           </p:cNvPr>
@@ -1792,7 +1792,7 @@
           <p:cNvPr id="7" name="日期占位符 6">
             <a:extLst>
               <a:ext uri="{FF2B5EF4-FFF2-40B4-BE49-F238E27FC236}">
-                <a16:creationId xmlns:a16="http://schemas.microsoft.com/office/drawing/2014/main" id="{F665F9D6-3594-E46F-9328-AF778F5B1E99}"/>
+                <a16:creationId xmlns:a16="http://schemas.microsoft.com/office/drawing/2014/main" id="{999A7B91-2AC3-43D7-997B-09F1854B9B92}"/>
               </a:ext>
             </a:extLst>
           </p:cNvPr>
@@ -1808,7 +1808,7 @@
           <a:bodyPr/>
           <a:lstStyle/>
           <a:p>
-            <a:fld id="{EA5119AF-EE40-48EE-A3F7-972E9CF0AF47}" type="datetimeFigureOut">
+            <a:fld id="{E5FCA03A-B9B6-4674-8DC0-27643DFE84B9}" type="datetimeFigureOut">
               <a:rPr lang="zh-CN" altLang="en-US" smtClean="0"/>
               <a:t>2024/3/10</a:t>
             </a:fld>
@@ -1821,7 +1821,7 @@
           <p:cNvPr id="8" name="页脚占位符 7">
             <a:extLst>
               <a:ext uri="{FF2B5EF4-FFF2-40B4-BE49-F238E27FC236}">
-                <a16:creationId xmlns:a16="http://schemas.microsoft.com/office/drawing/2014/main" id="{F65A4744-271E-8046-B120-513B23E83C9A}"/>
+                <a16:creationId xmlns:a16="http://schemas.microsoft.com/office/drawing/2014/main" id="{9A5C17FE-A791-3D83-24E7-5905DB1F0A30}"/>
               </a:ext>
             </a:extLst>
           </p:cNvPr>
@@ -1846,7 +1846,7 @@
           <p:cNvPr id="9" name="灯片编号占位符 8">
             <a:extLst>
               <a:ext uri="{FF2B5EF4-FFF2-40B4-BE49-F238E27FC236}">
-                <a16:creationId xmlns:a16="http://schemas.microsoft.com/office/drawing/2014/main" id="{DCB56052-93BB-85E4-D48D-392530F02A8C}"/>
+                <a16:creationId xmlns:a16="http://schemas.microsoft.com/office/drawing/2014/main" id="{7A3010C0-A933-F8B9-25BE-B775C133E511}"/>
               </a:ext>
             </a:extLst>
           </p:cNvPr>
@@ -1862,7 +1862,7 @@
           <a:bodyPr/>
           <a:lstStyle/>
           <a:p>
-            <a:fld id="{6087046A-2829-41AD-B401-65DD899BDF86}" type="slidenum">
+            <a:fld id="{0D5AD998-BB4C-4FDD-8EBD-7407F6EBEE2F}" type="slidenum">
               <a:rPr lang="zh-CN" altLang="en-US" smtClean="0"/>
               <a:t>‹#›</a:t>
             </a:fld>
@@ -1873,7 +1873,7 @@
     </p:spTree>
     <p:extLst>
       <p:ext uri="{BB962C8B-B14F-4D97-AF65-F5344CB8AC3E}">
-        <p14:creationId xmlns:p14="http://schemas.microsoft.com/office/powerpoint/2010/main" val="1233066542"/>
+        <p14:creationId xmlns:p14="http://schemas.microsoft.com/office/powerpoint/2010/main" val="1173093866"/>
       </p:ext>
     </p:extLst>
   </p:cSld>
@@ -1905,7 +1905,7 @@
           <p:cNvPr id="2" name="标题 1">
             <a:extLst>
               <a:ext uri="{FF2B5EF4-FFF2-40B4-BE49-F238E27FC236}">
-                <a16:creationId xmlns:a16="http://schemas.microsoft.com/office/drawing/2014/main" id="{F86A3D86-F029-735E-7C83-C054EFAE95C4}"/>
+                <a16:creationId xmlns:a16="http://schemas.microsoft.com/office/drawing/2014/main" id="{4DD8CA8F-C0D5-0F3F-8FB7-25937522B927}"/>
               </a:ext>
             </a:extLst>
           </p:cNvPr>
@@ -1933,7 +1933,7 @@
           <p:cNvPr id="3" name="日期占位符 2">
             <a:extLst>
               <a:ext uri="{FF2B5EF4-FFF2-40B4-BE49-F238E27FC236}">
-                <a16:creationId xmlns:a16="http://schemas.microsoft.com/office/drawing/2014/main" id="{C9A99898-B339-B1F4-6803-EC232A43F103}"/>
+                <a16:creationId xmlns:a16="http://schemas.microsoft.com/office/drawing/2014/main" id="{7ADB355E-3821-CD16-302D-299F3E855D01}"/>
               </a:ext>
             </a:extLst>
           </p:cNvPr>
@@ -1949,7 +1949,7 @@
           <a:bodyPr/>
           <a:lstStyle/>
           <a:p>
-            <a:fld id="{EA5119AF-EE40-48EE-A3F7-972E9CF0AF47}" type="datetimeFigureOut">
+            <a:fld id="{E5FCA03A-B9B6-4674-8DC0-27643DFE84B9}" type="datetimeFigureOut">
               <a:rPr lang="zh-CN" altLang="en-US" smtClean="0"/>
               <a:t>2024/3/10</a:t>
             </a:fld>
@@ -1962,7 +1962,7 @@
           <p:cNvPr id="4" name="页脚占位符 3">
             <a:extLst>
               <a:ext uri="{FF2B5EF4-FFF2-40B4-BE49-F238E27FC236}">
-                <a16:creationId xmlns:a16="http://schemas.microsoft.com/office/drawing/2014/main" id="{4B175244-4F33-98D6-5DFD-81D7BD7EDBED}"/>
+                <a16:creationId xmlns:a16="http://schemas.microsoft.com/office/drawing/2014/main" id="{99248487-79FB-C1CF-E9E1-09FE728D2123}"/>
               </a:ext>
             </a:extLst>
           </p:cNvPr>
@@ -1987,7 +1987,7 @@
           <p:cNvPr id="5" name="灯片编号占位符 4">
             <a:extLst>
               <a:ext uri="{FF2B5EF4-FFF2-40B4-BE49-F238E27FC236}">
-                <a16:creationId xmlns:a16="http://schemas.microsoft.com/office/drawing/2014/main" id="{F505584D-E673-3940-78A3-0D6DBA497DA1}"/>
+                <a16:creationId xmlns:a16="http://schemas.microsoft.com/office/drawing/2014/main" id="{22EB8928-C0AD-C7A5-7CCF-0FA470A885BE}"/>
               </a:ext>
             </a:extLst>
           </p:cNvPr>
@@ -2003,7 +2003,7 @@
           <a:bodyPr/>
           <a:lstStyle/>
           <a:p>
-            <a:fld id="{6087046A-2829-41AD-B401-65DD899BDF86}" type="slidenum">
+            <a:fld id="{0D5AD998-BB4C-4FDD-8EBD-7407F6EBEE2F}" type="slidenum">
               <a:rPr lang="zh-CN" altLang="en-US" smtClean="0"/>
               <a:t>‹#›</a:t>
             </a:fld>
@@ -2014,7 +2014,7 @@
     </p:spTree>
     <p:extLst>
       <p:ext uri="{BB962C8B-B14F-4D97-AF65-F5344CB8AC3E}">
-        <p14:creationId xmlns:p14="http://schemas.microsoft.com/office/powerpoint/2010/main" val="1207445095"/>
+        <p14:creationId xmlns:p14="http://schemas.microsoft.com/office/powerpoint/2010/main" val="1367614936"/>
       </p:ext>
     </p:extLst>
   </p:cSld>
@@ -2046,7 +2046,7 @@
           <p:cNvPr id="2" name="日期占位符 1">
             <a:extLst>
               <a:ext uri="{FF2B5EF4-FFF2-40B4-BE49-F238E27FC236}">
-                <a16:creationId xmlns:a16="http://schemas.microsoft.com/office/drawing/2014/main" id="{644CAE87-F1D4-EB92-67AD-595C1F1D3DB5}"/>
+                <a16:creationId xmlns:a16="http://schemas.microsoft.com/office/drawing/2014/main" id="{26FE9CCB-D182-0BED-74C5-C6467460993D}"/>
               </a:ext>
             </a:extLst>
           </p:cNvPr>
@@ -2062,7 +2062,7 @@
           <a:bodyPr/>
           <a:lstStyle/>
           <a:p>
-            <a:fld id="{EA5119AF-EE40-48EE-A3F7-972E9CF0AF47}" type="datetimeFigureOut">
+            <a:fld id="{E5FCA03A-B9B6-4674-8DC0-27643DFE84B9}" type="datetimeFigureOut">
               <a:rPr lang="zh-CN" altLang="en-US" smtClean="0"/>
               <a:t>2024/3/10</a:t>
             </a:fld>
@@ -2075,7 +2075,7 @@
           <p:cNvPr id="3" name="页脚占位符 2">
             <a:extLst>
               <a:ext uri="{FF2B5EF4-FFF2-40B4-BE49-F238E27FC236}">
-                <a16:creationId xmlns:a16="http://schemas.microsoft.com/office/drawing/2014/main" id="{E9048443-7F33-5281-98BD-001A93408B47}"/>
+                <a16:creationId xmlns:a16="http://schemas.microsoft.com/office/drawing/2014/main" id="{D0C814B4-12B4-5826-46C1-80CD7D9879BF}"/>
               </a:ext>
             </a:extLst>
           </p:cNvPr>
@@ -2100,7 +2100,7 @@
           <p:cNvPr id="4" name="灯片编号占位符 3">
             <a:extLst>
               <a:ext uri="{FF2B5EF4-FFF2-40B4-BE49-F238E27FC236}">
-                <a16:creationId xmlns:a16="http://schemas.microsoft.com/office/drawing/2014/main" id="{5A1769AD-619A-AD38-8CBE-C47C8EEF077C}"/>
+                <a16:creationId xmlns:a16="http://schemas.microsoft.com/office/drawing/2014/main" id="{DF596D7A-CA82-6FA8-26BC-EE4ADFB0C1EC}"/>
               </a:ext>
             </a:extLst>
           </p:cNvPr>
@@ -2116,7 +2116,7 @@
           <a:bodyPr/>
           <a:lstStyle/>
           <a:p>
-            <a:fld id="{6087046A-2829-41AD-B401-65DD899BDF86}" type="slidenum">
+            <a:fld id="{0D5AD998-BB4C-4FDD-8EBD-7407F6EBEE2F}" type="slidenum">
               <a:rPr lang="zh-CN" altLang="en-US" smtClean="0"/>
               <a:t>‹#›</a:t>
             </a:fld>
@@ -2127,7 +2127,7 @@
     </p:spTree>
     <p:extLst>
       <p:ext uri="{BB962C8B-B14F-4D97-AF65-F5344CB8AC3E}">
-        <p14:creationId xmlns:p14="http://schemas.microsoft.com/office/powerpoint/2010/main" val="2557993426"/>
+        <p14:creationId xmlns:p14="http://schemas.microsoft.com/office/powerpoint/2010/main" val="2173320662"/>
       </p:ext>
     </p:extLst>
   </p:cSld>
@@ -2159,7 +2159,7 @@
           <p:cNvPr id="2" name="标题 1">
             <a:extLst>
               <a:ext uri="{FF2B5EF4-FFF2-40B4-BE49-F238E27FC236}">
-                <a16:creationId xmlns:a16="http://schemas.microsoft.com/office/drawing/2014/main" id="{556FF2B2-6BE8-4E84-33B2-4030BF408920}"/>
+                <a16:creationId xmlns:a16="http://schemas.microsoft.com/office/drawing/2014/main" id="{A24B6861-3012-198D-1F7E-A02D05919619}"/>
               </a:ext>
             </a:extLst>
           </p:cNvPr>
@@ -2196,7 +2196,7 @@
           <p:cNvPr id="3" name="内容占位符 2">
             <a:extLst>
               <a:ext uri="{FF2B5EF4-FFF2-40B4-BE49-F238E27FC236}">
-                <a16:creationId xmlns:a16="http://schemas.microsoft.com/office/drawing/2014/main" id="{D5ACD5E8-C303-DE08-3F8D-F893B8BDAA9A}"/>
+                <a16:creationId xmlns:a16="http://schemas.microsoft.com/office/drawing/2014/main" id="{8F59F16E-1478-624E-0BB4-6298CD88DFDA}"/>
               </a:ext>
             </a:extLst>
           </p:cNvPr>
@@ -2286,7 +2286,7 @@
           <p:cNvPr id="4" name="文本占位符 3">
             <a:extLst>
               <a:ext uri="{FF2B5EF4-FFF2-40B4-BE49-F238E27FC236}">
-                <a16:creationId xmlns:a16="http://schemas.microsoft.com/office/drawing/2014/main" id="{D732E51C-E28C-E1B5-E71A-C64B6348E6F9}"/>
+                <a16:creationId xmlns:a16="http://schemas.microsoft.com/office/drawing/2014/main" id="{453C981F-4C79-FBE0-18E8-76F1D8447A77}"/>
               </a:ext>
             </a:extLst>
           </p:cNvPr>
@@ -2357,7 +2357,7 @@
           <p:cNvPr id="5" name="日期占位符 4">
             <a:extLst>
               <a:ext uri="{FF2B5EF4-FFF2-40B4-BE49-F238E27FC236}">
-                <a16:creationId xmlns:a16="http://schemas.microsoft.com/office/drawing/2014/main" id="{BC9C209E-249B-8455-2B18-23D3AF67F62E}"/>
+                <a16:creationId xmlns:a16="http://schemas.microsoft.com/office/drawing/2014/main" id="{EA0078AA-BC3D-AEDF-9316-1E05EC5EFC07}"/>
               </a:ext>
             </a:extLst>
           </p:cNvPr>
@@ -2373,7 +2373,7 @@
           <a:bodyPr/>
           <a:lstStyle/>
           <a:p>
-            <a:fld id="{EA5119AF-EE40-48EE-A3F7-972E9CF0AF47}" type="datetimeFigureOut">
+            <a:fld id="{E5FCA03A-B9B6-4674-8DC0-27643DFE84B9}" type="datetimeFigureOut">
               <a:rPr lang="zh-CN" altLang="en-US" smtClean="0"/>
               <a:t>2024/3/10</a:t>
             </a:fld>
@@ -2386,7 +2386,7 @@
           <p:cNvPr id="6" name="页脚占位符 5">
             <a:extLst>
               <a:ext uri="{FF2B5EF4-FFF2-40B4-BE49-F238E27FC236}">
-                <a16:creationId xmlns:a16="http://schemas.microsoft.com/office/drawing/2014/main" id="{A8126158-A08C-3A61-EAEF-DAB39309B239}"/>
+                <a16:creationId xmlns:a16="http://schemas.microsoft.com/office/drawing/2014/main" id="{EAE9606B-B56F-CEDC-BDC2-43746BD0896D}"/>
               </a:ext>
             </a:extLst>
           </p:cNvPr>
@@ -2411,7 +2411,7 @@
           <p:cNvPr id="7" name="灯片编号占位符 6">
             <a:extLst>
               <a:ext uri="{FF2B5EF4-FFF2-40B4-BE49-F238E27FC236}">
-                <a16:creationId xmlns:a16="http://schemas.microsoft.com/office/drawing/2014/main" id="{5423EB17-28CF-34D2-01D4-0AE6B940909C}"/>
+                <a16:creationId xmlns:a16="http://schemas.microsoft.com/office/drawing/2014/main" id="{D6B46B7C-290E-FB8A-2B9F-245F5E0035A3}"/>
               </a:ext>
             </a:extLst>
           </p:cNvPr>
@@ -2427,7 +2427,7 @@
           <a:bodyPr/>
           <a:lstStyle/>
           <a:p>
-            <a:fld id="{6087046A-2829-41AD-B401-65DD899BDF86}" type="slidenum">
+            <a:fld id="{0D5AD998-BB4C-4FDD-8EBD-7407F6EBEE2F}" type="slidenum">
               <a:rPr lang="zh-CN" altLang="en-US" smtClean="0"/>
               <a:t>‹#›</a:t>
             </a:fld>
@@ -2438,7 +2438,7 @@
     </p:spTree>
     <p:extLst>
       <p:ext uri="{BB962C8B-B14F-4D97-AF65-F5344CB8AC3E}">
-        <p14:creationId xmlns:p14="http://schemas.microsoft.com/office/powerpoint/2010/main" val="1324843759"/>
+        <p14:creationId xmlns:p14="http://schemas.microsoft.com/office/powerpoint/2010/main" val="2007127810"/>
       </p:ext>
     </p:extLst>
   </p:cSld>
@@ -2470,7 +2470,7 @@
           <p:cNvPr id="2" name="标题 1">
             <a:extLst>
               <a:ext uri="{FF2B5EF4-FFF2-40B4-BE49-F238E27FC236}">
-                <a16:creationId xmlns:a16="http://schemas.microsoft.com/office/drawing/2014/main" id="{4A428B91-E3B7-3DB1-A12B-9AF4C7BCA24A}"/>
+                <a16:creationId xmlns:a16="http://schemas.microsoft.com/office/drawing/2014/main" id="{A72DEA23-0378-2A58-423A-1FDBCCED5E09}"/>
               </a:ext>
             </a:extLst>
           </p:cNvPr>
@@ -2507,7 +2507,7 @@
           <p:cNvPr id="3" name="图片占位符 2">
             <a:extLst>
               <a:ext uri="{FF2B5EF4-FFF2-40B4-BE49-F238E27FC236}">
-                <a16:creationId xmlns:a16="http://schemas.microsoft.com/office/drawing/2014/main" id="{904E374D-1359-8F23-A56D-84735A7BB320}"/>
+                <a16:creationId xmlns:a16="http://schemas.microsoft.com/office/drawing/2014/main" id="{A25AFD67-74B1-26AD-F32E-606871E7983F}"/>
               </a:ext>
             </a:extLst>
           </p:cNvPr>
@@ -2574,7 +2574,7 @@
           <p:cNvPr id="4" name="文本占位符 3">
             <a:extLst>
               <a:ext uri="{FF2B5EF4-FFF2-40B4-BE49-F238E27FC236}">
-                <a16:creationId xmlns:a16="http://schemas.microsoft.com/office/drawing/2014/main" id="{9E4EB0D9-0638-8967-0A15-75BE8A022EAA}"/>
+                <a16:creationId xmlns:a16="http://schemas.microsoft.com/office/drawing/2014/main" id="{78A83487-80CD-DC17-C566-F172005B2C30}"/>
               </a:ext>
             </a:extLst>
           </p:cNvPr>
@@ -2645,7 +2645,7 @@
           <p:cNvPr id="5" name="日期占位符 4">
             <a:extLst>
               <a:ext uri="{FF2B5EF4-FFF2-40B4-BE49-F238E27FC236}">
-                <a16:creationId xmlns:a16="http://schemas.microsoft.com/office/drawing/2014/main" id="{6892A458-6808-7AED-1D15-76571F3785FB}"/>
+                <a16:creationId xmlns:a16="http://schemas.microsoft.com/office/drawing/2014/main" id="{9DDA6778-E216-8562-88AD-58E5535AA7B9}"/>
               </a:ext>
             </a:extLst>
           </p:cNvPr>
@@ -2661,7 +2661,7 @@
           <a:bodyPr/>
           <a:lstStyle/>
           <a:p>
-            <a:fld id="{EA5119AF-EE40-48EE-A3F7-972E9CF0AF47}" type="datetimeFigureOut">
+            <a:fld id="{E5FCA03A-B9B6-4674-8DC0-27643DFE84B9}" type="datetimeFigureOut">
               <a:rPr lang="zh-CN" altLang="en-US" smtClean="0"/>
               <a:t>2024/3/10</a:t>
             </a:fld>
@@ -2674,7 +2674,7 @@
           <p:cNvPr id="6" name="页脚占位符 5">
             <a:extLst>
               <a:ext uri="{FF2B5EF4-FFF2-40B4-BE49-F238E27FC236}">
-                <a16:creationId xmlns:a16="http://schemas.microsoft.com/office/drawing/2014/main" id="{12C5CE7E-CFED-4A22-6373-D19FBF1A23C8}"/>
+                <a16:creationId xmlns:a16="http://schemas.microsoft.com/office/drawing/2014/main" id="{244876AD-6B55-5B49-6CF1-46193ECD4FBC}"/>
               </a:ext>
             </a:extLst>
           </p:cNvPr>
@@ -2699,7 +2699,7 @@
           <p:cNvPr id="7" name="灯片编号占位符 6">
             <a:extLst>
               <a:ext uri="{FF2B5EF4-FFF2-40B4-BE49-F238E27FC236}">
-                <a16:creationId xmlns:a16="http://schemas.microsoft.com/office/drawing/2014/main" id="{6E0C84D3-AD2E-630F-3CC2-C28EDF30D304}"/>
+                <a16:creationId xmlns:a16="http://schemas.microsoft.com/office/drawing/2014/main" id="{D2CEDC1F-DC20-9300-819D-C3807BFAE0F0}"/>
               </a:ext>
             </a:extLst>
           </p:cNvPr>
@@ -2715,7 +2715,7 @@
           <a:bodyPr/>
           <a:lstStyle/>
           <a:p>
-            <a:fld id="{6087046A-2829-41AD-B401-65DD899BDF86}" type="slidenum">
+            <a:fld id="{0D5AD998-BB4C-4FDD-8EBD-7407F6EBEE2F}" type="slidenum">
               <a:rPr lang="zh-CN" altLang="en-US" smtClean="0"/>
               <a:t>‹#›</a:t>
             </a:fld>
@@ -2726,7 +2726,7 @@
     </p:spTree>
     <p:extLst>
       <p:ext uri="{BB962C8B-B14F-4D97-AF65-F5344CB8AC3E}">
-        <p14:creationId xmlns:p14="http://schemas.microsoft.com/office/powerpoint/2010/main" val="543636068"/>
+        <p14:creationId xmlns:p14="http://schemas.microsoft.com/office/powerpoint/2010/main" val="3861277871"/>
       </p:ext>
     </p:extLst>
   </p:cSld>
@@ -2763,7 +2763,7 @@
           <p:cNvPr id="2" name="标题占位符 1">
             <a:extLst>
               <a:ext uri="{FF2B5EF4-FFF2-40B4-BE49-F238E27FC236}">
-                <a16:creationId xmlns:a16="http://schemas.microsoft.com/office/drawing/2014/main" id="{6FD5F1CF-DC4E-244B-3002-58A3280B52CD}"/>
+                <a16:creationId xmlns:a16="http://schemas.microsoft.com/office/drawing/2014/main" id="{07A9892F-8C17-9DFA-F7A8-9851A67748F5}"/>
               </a:ext>
             </a:extLst>
           </p:cNvPr>
@@ -2801,7 +2801,7 @@
           <p:cNvPr id="3" name="文本占位符 2">
             <a:extLst>
               <a:ext uri="{FF2B5EF4-FFF2-40B4-BE49-F238E27FC236}">
-                <a16:creationId xmlns:a16="http://schemas.microsoft.com/office/drawing/2014/main" id="{FDF26660-7A0D-8338-0B7D-6FFA2FC67C63}"/>
+                <a16:creationId xmlns:a16="http://schemas.microsoft.com/office/drawing/2014/main" id="{6CE034A4-0FB5-2207-7163-F8E7FD535CDA}"/>
               </a:ext>
             </a:extLst>
           </p:cNvPr>
@@ -2868,7 +2868,7 @@
           <p:cNvPr id="4" name="日期占位符 3">
             <a:extLst>
               <a:ext uri="{FF2B5EF4-FFF2-40B4-BE49-F238E27FC236}">
-                <a16:creationId xmlns:a16="http://schemas.microsoft.com/office/drawing/2014/main" id="{87FE4BAE-C3E1-3E2D-6EDF-33A250979735}"/>
+                <a16:creationId xmlns:a16="http://schemas.microsoft.com/office/drawing/2014/main" id="{B4D81A76-B59C-91AB-2F5E-DB33A8F7284D}"/>
               </a:ext>
             </a:extLst>
           </p:cNvPr>
@@ -2902,7 +2902,7 @@
             </a:lvl1pPr>
           </a:lstStyle>
           <a:p>
-            <a:fld id="{EA5119AF-EE40-48EE-A3F7-972E9CF0AF47}" type="datetimeFigureOut">
+            <a:fld id="{E5FCA03A-B9B6-4674-8DC0-27643DFE84B9}" type="datetimeFigureOut">
               <a:rPr lang="zh-CN" altLang="en-US" smtClean="0"/>
               <a:t>2024/3/10</a:t>
             </a:fld>
@@ -2915,7 +2915,7 @@
           <p:cNvPr id="5" name="页脚占位符 4">
             <a:extLst>
               <a:ext uri="{FF2B5EF4-FFF2-40B4-BE49-F238E27FC236}">
-                <a16:creationId xmlns:a16="http://schemas.microsoft.com/office/drawing/2014/main" id="{EC7D6133-0026-D4DA-5001-9E6004433A75}"/>
+                <a16:creationId xmlns:a16="http://schemas.microsoft.com/office/drawing/2014/main" id="{8578BD77-1485-FEF7-0744-CE2BBCB93581}"/>
               </a:ext>
             </a:extLst>
           </p:cNvPr>
@@ -2958,7 +2958,7 @@
           <p:cNvPr id="6" name="灯片编号占位符 5">
             <a:extLst>
               <a:ext uri="{FF2B5EF4-FFF2-40B4-BE49-F238E27FC236}">
-                <a16:creationId xmlns:a16="http://schemas.microsoft.com/office/drawing/2014/main" id="{66B8B95F-CAA9-B71B-9944-BA7B03B2DABB}"/>
+                <a16:creationId xmlns:a16="http://schemas.microsoft.com/office/drawing/2014/main" id="{2CEAE526-410F-E0BD-B2E9-1E42D18A2106}"/>
               </a:ext>
             </a:extLst>
           </p:cNvPr>
@@ -2992,7 +2992,7 @@
             </a:lvl1pPr>
           </a:lstStyle>
           <a:p>
-            <a:fld id="{6087046A-2829-41AD-B401-65DD899BDF86}" type="slidenum">
+            <a:fld id="{0D5AD998-BB4C-4FDD-8EBD-7407F6EBEE2F}" type="slidenum">
               <a:rPr lang="zh-CN" altLang="en-US" smtClean="0"/>
               <a:t>‹#›</a:t>
             </a:fld>
@@ -3003,7 +3003,7 @@
     </p:spTree>
     <p:extLst>
       <p:ext uri="{BB962C8B-B14F-4D97-AF65-F5344CB8AC3E}">
-        <p14:creationId xmlns:p14="http://schemas.microsoft.com/office/powerpoint/2010/main" val="1952167528"/>
+        <p14:creationId xmlns:p14="http://schemas.microsoft.com/office/powerpoint/2010/main" val="4134322339"/>
       </p:ext>
     </p:extLst>
   </p:cSld>
@@ -3323,7 +3323,7 @@
       </p:grpSpPr>
       <p:pic>
         <p:nvPicPr>
-          <p:cNvPr id="1416194" name="Picture 2" descr="1382"/>
+          <p:cNvPr id="1417218" name="Picture 2" descr="1383"/>
           <p:cNvPicPr>
             <a:picLocks noChangeAspect="1" noChangeArrowheads="1"/>
           </p:cNvPicPr>
@@ -3345,7 +3345,7 @@
         <p:spPr bwMode="auto">
           <a:xfrm>
             <a:off x="1524000" y="0"/>
-            <a:ext cx="9144000" cy="4076700"/>
+            <a:ext cx="9144000" cy="3860800"/>
           </a:xfrm>
           <a:prstGeom prst="rect">
             <a:avLst/>
